--- a/springboot3/public/template/test3.pptx
+++ b/springboot3/public/template/test3.pptx
@@ -259,7 +259,7 @@
           <a:p>
             <a:fld id="{B59D5A38-7A2D-4398-AB37-8E26F2826612}" type="datetimeFigureOut">
               <a:rPr lang="zh-CN" altLang="en-US" smtClean="0"/>
-              <a:t>2024/3/26</a:t>
+              <a:t>2024/10/14</a:t>
             </a:fld>
             <a:endParaRPr lang="zh-CN" altLang="en-US"/>
           </a:p>
@@ -457,7 +457,7 @@
           <a:p>
             <a:fld id="{B59D5A38-7A2D-4398-AB37-8E26F2826612}" type="datetimeFigureOut">
               <a:rPr lang="zh-CN" altLang="en-US" smtClean="0"/>
-              <a:t>2024/3/26</a:t>
+              <a:t>2024/10/14</a:t>
             </a:fld>
             <a:endParaRPr lang="zh-CN" altLang="en-US"/>
           </a:p>
@@ -665,7 +665,7 @@
           <a:p>
             <a:fld id="{B59D5A38-7A2D-4398-AB37-8E26F2826612}" type="datetimeFigureOut">
               <a:rPr lang="zh-CN" altLang="en-US" smtClean="0"/>
-              <a:t>2024/3/26</a:t>
+              <a:t>2024/10/14</a:t>
             </a:fld>
             <a:endParaRPr lang="zh-CN" altLang="en-US"/>
           </a:p>
@@ -863,7 +863,7 @@
           <a:p>
             <a:fld id="{B59D5A38-7A2D-4398-AB37-8E26F2826612}" type="datetimeFigureOut">
               <a:rPr lang="zh-CN" altLang="en-US" smtClean="0"/>
-              <a:t>2024/3/26</a:t>
+              <a:t>2024/10/14</a:t>
             </a:fld>
             <a:endParaRPr lang="zh-CN" altLang="en-US"/>
           </a:p>
@@ -1138,7 +1138,7 @@
           <a:p>
             <a:fld id="{B59D5A38-7A2D-4398-AB37-8E26F2826612}" type="datetimeFigureOut">
               <a:rPr lang="zh-CN" altLang="en-US" smtClean="0"/>
-              <a:t>2024/3/26</a:t>
+              <a:t>2024/10/14</a:t>
             </a:fld>
             <a:endParaRPr lang="zh-CN" altLang="en-US"/>
           </a:p>
@@ -1403,7 +1403,7 @@
           <a:p>
             <a:fld id="{B59D5A38-7A2D-4398-AB37-8E26F2826612}" type="datetimeFigureOut">
               <a:rPr lang="zh-CN" altLang="en-US" smtClean="0"/>
-              <a:t>2024/3/26</a:t>
+              <a:t>2024/10/14</a:t>
             </a:fld>
             <a:endParaRPr lang="zh-CN" altLang="en-US"/>
           </a:p>
@@ -1815,7 +1815,7 @@
           <a:p>
             <a:fld id="{B59D5A38-7A2D-4398-AB37-8E26F2826612}" type="datetimeFigureOut">
               <a:rPr lang="zh-CN" altLang="en-US" smtClean="0"/>
-              <a:t>2024/3/26</a:t>
+              <a:t>2024/10/14</a:t>
             </a:fld>
             <a:endParaRPr lang="zh-CN" altLang="en-US"/>
           </a:p>
@@ -1956,7 +1956,7 @@
           <a:p>
             <a:fld id="{B59D5A38-7A2D-4398-AB37-8E26F2826612}" type="datetimeFigureOut">
               <a:rPr lang="zh-CN" altLang="en-US" smtClean="0"/>
-              <a:t>2024/3/26</a:t>
+              <a:t>2024/10/14</a:t>
             </a:fld>
             <a:endParaRPr lang="zh-CN" altLang="en-US"/>
           </a:p>
@@ -2069,7 +2069,7 @@
           <a:p>
             <a:fld id="{B59D5A38-7A2D-4398-AB37-8E26F2826612}" type="datetimeFigureOut">
               <a:rPr lang="zh-CN" altLang="en-US" smtClean="0"/>
-              <a:t>2024/3/26</a:t>
+              <a:t>2024/10/14</a:t>
             </a:fld>
             <a:endParaRPr lang="zh-CN" altLang="en-US"/>
           </a:p>
@@ -2380,7 +2380,7 @@
           <a:p>
             <a:fld id="{B59D5A38-7A2D-4398-AB37-8E26F2826612}" type="datetimeFigureOut">
               <a:rPr lang="zh-CN" altLang="en-US" smtClean="0"/>
-              <a:t>2024/3/26</a:t>
+              <a:t>2024/10/14</a:t>
             </a:fld>
             <a:endParaRPr lang="zh-CN" altLang="en-US"/>
           </a:p>
@@ -2668,7 +2668,7 @@
           <a:p>
             <a:fld id="{B59D5A38-7A2D-4398-AB37-8E26F2826612}" type="datetimeFigureOut">
               <a:rPr lang="zh-CN" altLang="en-US" smtClean="0"/>
-              <a:t>2024/3/26</a:t>
+              <a:t>2024/10/14</a:t>
             </a:fld>
             <a:endParaRPr lang="zh-CN" altLang="en-US"/>
           </a:p>
@@ -2909,7 +2909,7 @@
           <a:p>
             <a:fld id="{B59D5A38-7A2D-4398-AB37-8E26F2826612}" type="datetimeFigureOut">
               <a:rPr lang="zh-CN" altLang="en-US" smtClean="0"/>
-              <a:t>2024/3/26</a:t>
+              <a:t>2024/10/14</a:t>
             </a:fld>
             <a:endParaRPr lang="zh-CN" altLang="en-US"/>
           </a:p>
@@ -3698,8 +3698,8 @@
         </p:nvSpPr>
         <p:spPr>
           <a:xfrm>
-            <a:off x="2724346" y="2017186"/>
-            <a:ext cx="4798244" cy="369332"/>
+            <a:off x="2670159" y="3869519"/>
+            <a:ext cx="7881786" cy="369332"/>
           </a:xfrm>
           <a:prstGeom prst="rect">
             <a:avLst/>
@@ -3720,7 +3720,27 @@
                 <a:latin typeface="宋体" panose="02010600030101010101" pitchFamily="2" charset="-122"/>
                 <a:ea typeface="宋体" panose="02010600030101010101" pitchFamily="2" charset="-122"/>
               </a:rPr>
-              <a:t>学院：</a:t>
+              <a:t>学院</a:t>
+            </a:r>
+            <a:r>
+              <a:rPr lang="en-US" altLang="zh-CN" dirty="0">
+                <a:solidFill>
+                  <a:srgbClr val="1F4E79"/>
+                </a:solidFill>
+                <a:latin typeface="宋体" panose="02010600030101010101" pitchFamily="2" charset="-122"/>
+                <a:ea typeface="宋体" panose="02010600030101010101" pitchFamily="2" charset="-122"/>
+              </a:rPr>
+              <a:t>:</a:t>
+            </a:r>
+            <a:r>
+              <a:rPr lang="zh-CN" altLang="en-US" dirty="0">
+                <a:solidFill>
+                  <a:srgbClr val="1F4E79"/>
+                </a:solidFill>
+                <a:latin typeface="宋体" panose="02010600030101010101" pitchFamily="2" charset="-122"/>
+                <a:ea typeface="宋体" panose="02010600030101010101" pitchFamily="2" charset="-122"/>
+              </a:rPr>
+              <a:t>人文学院</a:t>
             </a:r>
             <a:endParaRPr lang="zh-CN" altLang="en-US" dirty="0">
               <a:solidFill>
@@ -3746,7 +3766,7 @@
         </p:nvSpPr>
         <p:spPr>
           <a:xfrm>
-            <a:off x="2724346" y="2400410"/>
+            <a:off x="2670159" y="4311295"/>
             <a:ext cx="3864990" cy="369332"/>
           </a:xfrm>
           <a:prstGeom prst="rect">
@@ -3770,39 +3790,20 @@
                 <a:latin typeface="宋体" panose="02010600030101010101" pitchFamily="2" charset="-122"/>
                 <a:ea typeface="宋体" panose="02010600030101010101" pitchFamily="2" charset="-122"/>
               </a:rPr>
-              <a:t>学生：</a:t>
-            </a:r>
-          </a:p>
-        </p:txBody>
-      </p:sp>
-      <p:sp>
-        <p:nvSpPr>
-          <p:cNvPr id="6" name="文本框 5">
-            <a:extLst>
-              <a:ext uri="{FF2B5EF4-FFF2-40B4-BE49-F238E27FC236}">
-                <a16:creationId xmlns:a16="http://schemas.microsoft.com/office/drawing/2014/main" id="{98A28B3F-AA8A-E463-34EB-4228878FA1B7}"/>
-              </a:ext>
-            </a:extLst>
-          </p:cNvPr>
-          <p:cNvSpPr txBox="1"/>
-          <p:nvPr/>
-        </p:nvSpPr>
-        <p:spPr>
-          <a:xfrm>
-            <a:off x="2724346" y="2772469"/>
-            <a:ext cx="3864990" cy="369332"/>
-          </a:xfrm>
-          <a:prstGeom prst="rect">
-            <a:avLst/>
-          </a:prstGeom>
-          <a:noFill/>
-        </p:spPr>
-        <p:txBody>
-          <a:bodyPr wrap="square" rtlCol="0">
-            <a:spAutoFit/>
-          </a:bodyPr>
-          <a:lstStyle/>
-          <a:p>
+              <a:t>姓名</a:t>
+            </a:r>
+            <a:r>
+              <a:rPr lang="en-US" altLang="zh-CN" dirty="0">
+                <a:solidFill>
+                  <a:schemeClr val="accent5">
+                    <a:lumMod val="50000"/>
+                  </a:schemeClr>
+                </a:solidFill>
+                <a:latin typeface="宋体" panose="02010600030101010101" pitchFamily="2" charset="-122"/>
+                <a:ea typeface="宋体" panose="02010600030101010101" pitchFamily="2" charset="-122"/>
+              </a:rPr>
+              <a:t>:</a:t>
+            </a:r>
             <a:r>
               <a:rPr lang="zh-CN" altLang="en-US" dirty="0">
                 <a:solidFill>
@@ -3813,8 +3814,29 @@
                 <a:latin typeface="宋体" panose="02010600030101010101" pitchFamily="2" charset="-122"/>
                 <a:ea typeface="宋体" panose="02010600030101010101" pitchFamily="2" charset="-122"/>
               </a:rPr>
-              <a:t>指导老师：</a:t>
-            </a:r>
+              <a:t>乐立薇 经亨颐（中文）</a:t>
+            </a:r>
+            <a:r>
+              <a:rPr lang="en-US" altLang="zh-CN" dirty="0">
+                <a:solidFill>
+                  <a:schemeClr val="accent5">
+                    <a:lumMod val="50000"/>
+                  </a:schemeClr>
+                </a:solidFill>
+                <a:latin typeface="宋体" panose="02010600030101010101" pitchFamily="2" charset="-122"/>
+                <a:ea typeface="宋体" panose="02010600030101010101" pitchFamily="2" charset="-122"/>
+              </a:rPr>
+              <a:t>223</a:t>
+            </a:r>
+            <a:endParaRPr lang="zh-CN" altLang="en-US" dirty="0">
+              <a:solidFill>
+                <a:schemeClr val="accent5">
+                  <a:lumMod val="50000"/>
+                </a:schemeClr>
+              </a:solidFill>
+              <a:latin typeface="宋体" panose="02010600030101010101" pitchFamily="2" charset="-122"/>
+              <a:ea typeface="宋体" panose="02010600030101010101" pitchFamily="2" charset="-122"/>
+            </a:endParaRPr>
           </a:p>
         </p:txBody>
       </p:sp>
@@ -3904,6 +3926,250 @@
           </a:p>
         </p:txBody>
       </p:sp>
+      <p:sp>
+        <p:nvSpPr>
+          <p:cNvPr id="6" name="文本框 5">
+            <a:extLst>
+              <a:ext uri="{FF2B5EF4-FFF2-40B4-BE49-F238E27FC236}">
+                <a16:creationId xmlns:a16="http://schemas.microsoft.com/office/drawing/2014/main" id="{A90135E6-9794-896A-0E5F-09EB6981E09F}"/>
+              </a:ext>
+            </a:extLst>
+          </p:cNvPr>
+          <p:cNvSpPr txBox="1"/>
+          <p:nvPr/>
+        </p:nvSpPr>
+        <p:spPr>
+          <a:xfrm>
+            <a:off x="2724345" y="3648767"/>
+            <a:ext cx="7881786" cy="369332"/>
+          </a:xfrm>
+          <a:prstGeom prst="rect">
+            <a:avLst/>
+          </a:prstGeom>
+          <a:noFill/>
+        </p:spPr>
+        <p:txBody>
+          <a:bodyPr wrap="square" rtlCol="0">
+            <a:spAutoFit/>
+          </a:bodyPr>
+          <a:lstStyle/>
+          <a:p>
+            <a:endParaRPr lang="zh-CN" altLang="en-US" dirty="0">
+              <a:solidFill>
+                <a:srgbClr val="B9B9B9"/>
+              </a:solidFill>
+              <a:latin typeface="宋体" panose="02010600030101010101" pitchFamily="2" charset="-122"/>
+              <a:ea typeface="宋体" panose="02010600030101010101" pitchFamily="2" charset="-122"/>
+            </a:endParaRPr>
+          </a:p>
+        </p:txBody>
+      </p:sp>
+      <p:sp>
+        <p:nvSpPr>
+          <p:cNvPr id="7" name="文本框 6">
+            <a:extLst>
+              <a:ext uri="{FF2B5EF4-FFF2-40B4-BE49-F238E27FC236}">
+                <a16:creationId xmlns:a16="http://schemas.microsoft.com/office/drawing/2014/main" id="{EA970575-B8E9-A2B1-2208-1A672C659E05}"/>
+              </a:ext>
+            </a:extLst>
+          </p:cNvPr>
+          <p:cNvSpPr txBox="1"/>
+          <p:nvPr/>
+        </p:nvSpPr>
+        <p:spPr>
+          <a:xfrm>
+            <a:off x="2178596" y="2295358"/>
+            <a:ext cx="7881786" cy="400110"/>
+          </a:xfrm>
+          <a:prstGeom prst="rect">
+            <a:avLst/>
+          </a:prstGeom>
+          <a:noFill/>
+        </p:spPr>
+        <p:txBody>
+          <a:bodyPr wrap="square" rtlCol="0">
+            <a:spAutoFit/>
+          </a:bodyPr>
+          <a:lstStyle/>
+          <a:p>
+            <a:pPr algn="ctr"/>
+            <a:r>
+              <a:rPr lang="zh-CN" altLang="en-US" sz="2000" b="1" dirty="0">
+                <a:solidFill>
+                  <a:srgbClr val="1F4E79"/>
+                </a:solidFill>
+                <a:latin typeface="宋体" panose="02010600030101010101" pitchFamily="2" charset="-122"/>
+                <a:ea typeface="宋体" panose="02010600030101010101" pitchFamily="2" charset="-122"/>
+              </a:rPr>
+              <a:t>在杭州师范大学第五届网络与信息安全竞赛知识赛中荣获</a:t>
+            </a:r>
+            <a:endParaRPr lang="zh-CN" altLang="en-US" sz="2000" b="1" dirty="0">
+              <a:solidFill>
+                <a:srgbClr val="B9B9B9"/>
+              </a:solidFill>
+              <a:latin typeface="宋体" panose="02010600030101010101" pitchFamily="2" charset="-122"/>
+              <a:ea typeface="宋体" panose="02010600030101010101" pitchFamily="2" charset="-122"/>
+            </a:endParaRPr>
+          </a:p>
+        </p:txBody>
+      </p:sp>
+      <p:sp>
+        <p:nvSpPr>
+          <p:cNvPr id="8" name="文本框 7">
+            <a:extLst>
+              <a:ext uri="{FF2B5EF4-FFF2-40B4-BE49-F238E27FC236}">
+                <a16:creationId xmlns:a16="http://schemas.microsoft.com/office/drawing/2014/main" id="{27D80EBE-B898-21F4-D910-2E378134596A}"/>
+              </a:ext>
+            </a:extLst>
+          </p:cNvPr>
+          <p:cNvSpPr txBox="1"/>
+          <p:nvPr/>
+        </p:nvSpPr>
+        <p:spPr>
+          <a:xfrm>
+            <a:off x="1747520" y="2906988"/>
+            <a:ext cx="8663093" cy="923330"/>
+          </a:xfrm>
+          <a:prstGeom prst="rect">
+            <a:avLst/>
+          </a:prstGeom>
+          <a:noFill/>
+        </p:spPr>
+        <p:txBody>
+          <a:bodyPr wrap="square" rtlCol="0">
+            <a:spAutoFit/>
+          </a:bodyPr>
+          <a:lstStyle/>
+          <a:p>
+            <a:pPr algn="ctr"/>
+            <a:r>
+              <a:rPr lang="zh-CN" altLang="en-US" sz="5400" dirty="0">
+                <a:solidFill>
+                  <a:srgbClr val="800000"/>
+                </a:solidFill>
+                <a:latin typeface="楷体" panose="02010609060101010101" pitchFamily="49" charset="-122"/>
+                <a:ea typeface="楷体" panose="02010609060101010101" pitchFamily="49" charset="-122"/>
+              </a:rPr>
+              <a:t>一等奖</a:t>
+            </a:r>
+          </a:p>
+        </p:txBody>
+      </p:sp>
+      <p:sp>
+        <p:nvSpPr>
+          <p:cNvPr id="11" name="文本框 10">
+            <a:extLst>
+              <a:ext uri="{FF2B5EF4-FFF2-40B4-BE49-F238E27FC236}">
+                <a16:creationId xmlns:a16="http://schemas.microsoft.com/office/drawing/2014/main" id="{21068C9D-EC95-B37B-825B-E4877AC178CC}"/>
+              </a:ext>
+            </a:extLst>
+          </p:cNvPr>
+          <p:cNvSpPr txBox="1"/>
+          <p:nvPr/>
+        </p:nvSpPr>
+        <p:spPr>
+          <a:xfrm>
+            <a:off x="6948128" y="5417790"/>
+            <a:ext cx="2722345" cy="369332"/>
+          </a:xfrm>
+          <a:prstGeom prst="rect">
+            <a:avLst/>
+          </a:prstGeom>
+          <a:noFill/>
+        </p:spPr>
+        <p:txBody>
+          <a:bodyPr wrap="square" rtlCol="0">
+            <a:spAutoFit/>
+          </a:bodyPr>
+          <a:lstStyle/>
+          <a:p>
+            <a:pPr algn="ctr"/>
+            <a:r>
+              <a:rPr lang="en-US" altLang="zh-CN" dirty="0">
+                <a:solidFill>
+                  <a:srgbClr val="1F4E79"/>
+                </a:solidFill>
+                <a:latin typeface="宋体" panose="02010600030101010101" pitchFamily="2" charset="-122"/>
+                <a:ea typeface="宋体" panose="02010600030101010101" pitchFamily="2" charset="-122"/>
+              </a:rPr>
+              <a:t>2024</a:t>
+            </a:r>
+            <a:r>
+              <a:rPr lang="zh-CN" altLang="en-US" dirty="0">
+                <a:solidFill>
+                  <a:srgbClr val="1F4E79"/>
+                </a:solidFill>
+                <a:latin typeface="宋体" panose="02010600030101010101" pitchFamily="2" charset="-122"/>
+                <a:ea typeface="宋体" panose="02010600030101010101" pitchFamily="2" charset="-122"/>
+              </a:rPr>
+              <a:t>年</a:t>
+            </a:r>
+            <a:r>
+              <a:rPr lang="en-US" altLang="zh-CN" dirty="0">
+                <a:solidFill>
+                  <a:srgbClr val="1F4E79"/>
+                </a:solidFill>
+                <a:latin typeface="宋体" panose="02010600030101010101" pitchFamily="2" charset="-122"/>
+                <a:ea typeface="宋体" panose="02010600030101010101" pitchFamily="2" charset="-122"/>
+              </a:rPr>
+              <a:t>07</a:t>
+            </a:r>
+            <a:r>
+              <a:rPr lang="zh-CN" altLang="en-US" dirty="0">
+                <a:solidFill>
+                  <a:srgbClr val="1F4E79"/>
+                </a:solidFill>
+                <a:latin typeface="宋体" panose="02010600030101010101" pitchFamily="2" charset="-122"/>
+                <a:ea typeface="宋体" panose="02010600030101010101" pitchFamily="2" charset="-122"/>
+              </a:rPr>
+              <a:t>月</a:t>
+            </a:r>
+            <a:endParaRPr lang="zh-CN" altLang="en-US" dirty="0">
+              <a:solidFill>
+                <a:srgbClr val="B9B9B9"/>
+              </a:solidFill>
+              <a:latin typeface="宋体" panose="02010600030101010101" pitchFamily="2" charset="-122"/>
+              <a:ea typeface="宋体" panose="02010600030101010101" pitchFamily="2" charset="-122"/>
+            </a:endParaRPr>
+          </a:p>
+        </p:txBody>
+      </p:sp>
+      <p:pic>
+        <p:nvPicPr>
+          <p:cNvPr id="20" name="图片 19">
+            <a:extLst>
+              <a:ext uri="{FF2B5EF4-FFF2-40B4-BE49-F238E27FC236}">
+                <a16:creationId xmlns:a16="http://schemas.microsoft.com/office/drawing/2014/main" id="{C2886BE0-A1D7-4682-F4B6-EEC7810CB081}"/>
+              </a:ext>
+            </a:extLst>
+          </p:cNvPr>
+          <p:cNvPicPr>
+            <a:picLocks noChangeAspect="1"/>
+          </p:cNvPicPr>
+          <p:nvPr/>
+        </p:nvPicPr>
+        <p:blipFill>
+          <a:blip r:embed="rId3">
+            <a:extLst>
+              <a:ext uri="{28A0092B-C50C-407E-A947-70E740481C1C}">
+                <a14:useLocalDpi xmlns:a14="http://schemas.microsoft.com/office/drawing/2010/main" val="0"/>
+              </a:ext>
+            </a:extLst>
+          </a:blip>
+          <a:stretch>
+            <a:fillRect/>
+          </a:stretch>
+        </p:blipFill>
+        <p:spPr>
+          <a:xfrm>
+            <a:off x="7566527" y="4727037"/>
+            <a:ext cx="1545041" cy="1444790"/>
+          </a:xfrm>
+          <a:prstGeom prst="rect">
+            <a:avLst/>
+          </a:prstGeom>
+        </p:spPr>
+      </p:pic>
     </p:spTree>
     <p:extLst>
       <p:ext uri="{BB962C8B-B14F-4D97-AF65-F5344CB8AC3E}">
